--- a/prezentacie/t01.pptx
+++ b/prezentacie/t01.pptx
@@ -268,7 +268,7 @@
           <a:p>
             <a:fld id="{10052495-8BC8-4CFB-94B1-B0429F101A0D}" type="datetimeFigureOut">
               <a:rPr lang="sk-SK" smtClean="0"/>
-              <a:t>5. 9. 2025</a:t>
+              <a:t>6. 9. 2025</a:t>
             </a:fld>
             <a:endParaRPr lang="sk-SK"/>
           </a:p>
@@ -466,7 +466,7 @@
           <a:p>
             <a:fld id="{10052495-8BC8-4CFB-94B1-B0429F101A0D}" type="datetimeFigureOut">
               <a:rPr lang="sk-SK" smtClean="0"/>
-              <a:t>5. 9. 2025</a:t>
+              <a:t>6. 9. 2025</a:t>
             </a:fld>
             <a:endParaRPr lang="sk-SK"/>
           </a:p>
@@ -674,7 +674,7 @@
           <a:p>
             <a:fld id="{10052495-8BC8-4CFB-94B1-B0429F101A0D}" type="datetimeFigureOut">
               <a:rPr lang="sk-SK" smtClean="0"/>
-              <a:t>5. 9. 2025</a:t>
+              <a:t>6. 9. 2025</a:t>
             </a:fld>
             <a:endParaRPr lang="sk-SK"/>
           </a:p>
@@ -872,7 +872,7 @@
           <a:p>
             <a:fld id="{10052495-8BC8-4CFB-94B1-B0429F101A0D}" type="datetimeFigureOut">
               <a:rPr lang="sk-SK" smtClean="0"/>
-              <a:t>5. 9. 2025</a:t>
+              <a:t>6. 9. 2025</a:t>
             </a:fld>
             <a:endParaRPr lang="sk-SK"/>
           </a:p>
@@ -1147,7 +1147,7 @@
           <a:p>
             <a:fld id="{10052495-8BC8-4CFB-94B1-B0429F101A0D}" type="datetimeFigureOut">
               <a:rPr lang="sk-SK" smtClean="0"/>
-              <a:t>5. 9. 2025</a:t>
+              <a:t>6. 9. 2025</a:t>
             </a:fld>
             <a:endParaRPr lang="sk-SK"/>
           </a:p>
@@ -1412,7 +1412,7 @@
           <a:p>
             <a:fld id="{10052495-8BC8-4CFB-94B1-B0429F101A0D}" type="datetimeFigureOut">
               <a:rPr lang="sk-SK" smtClean="0"/>
-              <a:t>5. 9. 2025</a:t>
+              <a:t>6. 9. 2025</a:t>
             </a:fld>
             <a:endParaRPr lang="sk-SK"/>
           </a:p>
@@ -1824,7 +1824,7 @@
           <a:p>
             <a:fld id="{10052495-8BC8-4CFB-94B1-B0429F101A0D}" type="datetimeFigureOut">
               <a:rPr lang="sk-SK" smtClean="0"/>
-              <a:t>5. 9. 2025</a:t>
+              <a:t>6. 9. 2025</a:t>
             </a:fld>
             <a:endParaRPr lang="sk-SK"/>
           </a:p>
@@ -1965,7 +1965,7 @@
           <a:p>
             <a:fld id="{10052495-8BC8-4CFB-94B1-B0429F101A0D}" type="datetimeFigureOut">
               <a:rPr lang="sk-SK" smtClean="0"/>
-              <a:t>5. 9. 2025</a:t>
+              <a:t>6. 9. 2025</a:t>
             </a:fld>
             <a:endParaRPr lang="sk-SK"/>
           </a:p>
@@ -2078,7 +2078,7 @@
           <a:p>
             <a:fld id="{10052495-8BC8-4CFB-94B1-B0429F101A0D}" type="datetimeFigureOut">
               <a:rPr lang="sk-SK" smtClean="0"/>
-              <a:t>5. 9. 2025</a:t>
+              <a:t>6. 9. 2025</a:t>
             </a:fld>
             <a:endParaRPr lang="sk-SK"/>
           </a:p>
@@ -2389,7 +2389,7 @@
           <a:p>
             <a:fld id="{10052495-8BC8-4CFB-94B1-B0429F101A0D}" type="datetimeFigureOut">
               <a:rPr lang="sk-SK" smtClean="0"/>
-              <a:t>5. 9. 2025</a:t>
+              <a:t>6. 9. 2025</a:t>
             </a:fld>
             <a:endParaRPr lang="sk-SK"/>
           </a:p>
@@ -2677,7 +2677,7 @@
           <a:p>
             <a:fld id="{10052495-8BC8-4CFB-94B1-B0429F101A0D}" type="datetimeFigureOut">
               <a:rPr lang="sk-SK" smtClean="0"/>
-              <a:t>5. 9. 2025</a:t>
+              <a:t>6. 9. 2025</a:t>
             </a:fld>
             <a:endParaRPr lang="sk-SK"/>
           </a:p>
@@ -2918,7 +2918,7 @@
           <a:p>
             <a:fld id="{10052495-8BC8-4CFB-94B1-B0429F101A0D}" type="datetimeFigureOut">
               <a:rPr lang="sk-SK" smtClean="0"/>
-              <a:t>5. 9. 2025</a:t>
+              <a:t>6. 9. 2025</a:t>
             </a:fld>
             <a:endParaRPr lang="sk-SK"/>
           </a:p>
@@ -4649,7 +4649,7 @@
             </a:pPr>
             <a:r>
               <a:rPr lang="sk-SK" sz="2800" dirty="0"/>
-              <a:t>Digitálny asistenti</a:t>
+              <a:t>Digitálni asistenti</a:t>
             </a:r>
           </a:p>
           <a:p>
@@ -4737,7 +4737,7 @@
           <a:p>
             <a:r>
               <a:rPr lang="sk-SK" sz="4000" dirty="0"/>
-              <a:t>Digitálny Asistenti</a:t>
+              <a:t>Digitálni Asistenti</a:t>
             </a:r>
           </a:p>
         </p:txBody>
@@ -6000,15 +6000,7 @@
             </a:pPr>
             <a:r>
               <a:rPr lang="sk-SK" sz="2800" dirty="0"/>
-              <a:t>cloudové a </a:t>
-            </a:r>
-            <a:r>
-              <a:rPr lang="sk-SK" sz="2800" dirty="0" err="1"/>
-              <a:t>distrubuované</a:t>
-            </a:r>
-            <a:r>
-              <a:rPr lang="sk-SK" sz="2800" dirty="0"/>
-              <a:t> systémy</a:t>
+              <a:t>cloudové a distribuované systémy</a:t>
             </a:r>
           </a:p>
         </p:txBody>
